--- a/Daily Agendas/Day9.5_PracticeMidTerm.pptx
+++ b/Daily Agendas/Day9.5_PracticeMidTerm.pptx
@@ -3545,17 +3545,12 @@
               <a:rPr lang="en-CA" dirty="0" smtClean="0"/>
               <a:t>Practice Mid-Term</a:t>
             </a:r>
-            <a:endParaRPr lang="en-CA" dirty="0" smtClean="0"/>
           </a:p>
           <a:p>
             <a:pPr lvl="2"/>
             <a:r>
               <a:rPr lang="en-CA" dirty="0" smtClean="0"/>
-              <a:t>Sample Questions / Ask Me </a:t>
-            </a:r>
-            <a:r>
-              <a:rPr lang="en-CA" smtClean="0"/>
-              <a:t>For Answers</a:t>
+              <a:t>Sample Questions / Ask Me For Answers</a:t>
             </a:r>
             <a:endParaRPr lang="en-CA" dirty="0"/>
           </a:p>
@@ -3584,7 +3579,6 @@
               <a:rPr lang="en-CA" dirty="0" smtClean="0"/>
               <a:t>Catch-Up Work</a:t>
             </a:r>
-            <a:endParaRPr lang="en-CA" dirty="0" smtClean="0"/>
           </a:p>
           <a:p>
             <a:pPr lvl="2"/>
@@ -3597,9 +3591,16 @@
             <a:pPr lvl="2"/>
             <a:r>
               <a:rPr lang="en-CA" dirty="0" smtClean="0"/>
-              <a:t>Cut-Off of Midterm is MONDAY 7:30 am</a:t>
-            </a:r>
-            <a:endParaRPr lang="en-CA" dirty="0" smtClean="0"/>
+              <a:t>Cut-Off </a:t>
+            </a:r>
+            <a:r>
+              <a:rPr lang="en-CA" dirty="0" smtClean="0"/>
+              <a:t>for </a:t>
+            </a:r>
+            <a:r>
+              <a:rPr lang="en-CA" dirty="0" smtClean="0"/>
+              <a:t>Midterm is MONDAY 7:30 am</a:t>
+            </a:r>
           </a:p>
           <a:p>
             <a:pPr lvl="1">
